--- a/其它提交/promise.pptx
+++ b/其它提交/promise.pptx
@@ -9,10 +9,14 @@
     <p:sldId id="257" r:id="rId3"/>
     <p:sldId id="258" r:id="rId4"/>
     <p:sldId id="259" r:id="rId5"/>
-    <p:sldId id="260" r:id="rId6"/>
-    <p:sldId id="261" r:id="rId7"/>
-    <p:sldId id="262" r:id="rId8"/>
-    <p:sldId id="263" r:id="rId9"/>
+    <p:sldId id="265" r:id="rId6"/>
+    <p:sldId id="266" r:id="rId7"/>
+    <p:sldId id="260" r:id="rId8"/>
+    <p:sldId id="261" r:id="rId9"/>
+    <p:sldId id="262" r:id="rId10"/>
+    <p:sldId id="263" r:id="rId11"/>
+    <p:sldId id="264" r:id="rId12"/>
+    <p:sldId id="267" r:id="rId13"/>
   </p:sldIdLst>
   <p:sldSz cx="12192000" cy="6858000"/>
   <p:notesSz cx="6858000" cy="9144000"/>
@@ -124,10 +128,14 @@
         <p14:section name="Promise基本使用" id="{A282091D-D4B2-4F38-972D-D4B5A95AF397}">
           <p14:sldIdLst>
             <p14:sldId id="259"/>
+            <p14:sldId id="265"/>
+            <p14:sldId id="266"/>
             <p14:sldId id="260"/>
             <p14:sldId id="261"/>
             <p14:sldId id="262"/>
             <p14:sldId id="263"/>
+            <p14:sldId id="264"/>
+            <p14:sldId id="267"/>
           </p14:sldIdLst>
         </p14:section>
       </p14:sectionLst>
@@ -137,6 +145,18 @@
     </p:ext>
   </p:extLst>
 </p:presentation>
+</file>
+
+<file path=ppt/commentAuthors.xml><?xml version="1.0" encoding="utf-8"?>
+<p:cmAuthorLst xmlns:a="http://schemas.openxmlformats.org/drawingml/2006/main" xmlns:r="http://schemas.openxmlformats.org/officeDocument/2006/relationships" xmlns:p="http://schemas.openxmlformats.org/presentationml/2006/main">
+  <p:cmAuthor id="1" name="赵 燕明" initials="赵" lastIdx="1" clrIdx="0">
+    <p:extLst>
+      <p:ext uri="{19B8F6BF-5375-455C-9EA6-DF929625EA0E}">
+        <p15:presenceInfo xmlns:p15="http://schemas.microsoft.com/office/powerpoint/2012/main" userId="97a7cd6a142d9ef9" providerId="Windows Live"/>
+      </p:ext>
+    </p:extLst>
+  </p:cmAuthor>
+</p:cmAuthorLst>
 </file>
 
 <file path=ppt/slideLayouts/slideLayout1.xml><?xml version="1.0" encoding="utf-8"?>
@@ -1419,6 +1439,756 @@
 </p:sld>
 </file>
 
+<file path=ppt/slides/slide10.xml><?xml version="1.0" encoding="utf-8"?>
+<p:sld xmlns:a="http://schemas.openxmlformats.org/drawingml/2006/main" xmlns:r="http://schemas.openxmlformats.org/officeDocument/2006/relationships" xmlns:p="http://schemas.openxmlformats.org/presentationml/2006/main">
+  <p:cSld>
+    <p:spTree>
+      <p:nvGrpSpPr>
+        <p:cNvPr id="1" name=""/>
+        <p:cNvGrpSpPr/>
+        <p:nvPr/>
+      </p:nvGrpSpPr>
+      <p:grpSpPr>
+        <a:xfrm>
+          <a:off x="0" y="0"/>
+          <a:ext cx="0" cy="0"/>
+          <a:chOff x="0" y="0"/>
+          <a:chExt cx="0" cy="0"/>
+        </a:xfrm>
+      </p:grpSpPr>
+      <p:sp>
+        <p:nvSpPr>
+          <p:cNvPr id="2" name="标题 1">
+            <a:extLst>
+              <a:ext uri="{FF2B5EF4-FFF2-40B4-BE49-F238E27FC236}">
+                <a16:creationId xmlns:a16="http://schemas.microsoft.com/office/drawing/2014/main" id="{6047A424-70D7-4CCC-966E-2695D258EB84}"/>
+              </a:ext>
+            </a:extLst>
+          </p:cNvPr>
+          <p:cNvSpPr>
+            <a:spLocks noGrp="1"/>
+          </p:cNvSpPr>
+          <p:nvPr>
+            <p:ph type="title"/>
+          </p:nvPr>
+        </p:nvSpPr>
+        <p:spPr>
+          <a:xfrm>
+            <a:off x="1239416" y="130456"/>
+            <a:ext cx="10952584" cy="466628"/>
+          </a:xfrm>
+        </p:spPr>
+        <p:txBody>
+          <a:bodyPr/>
+          <a:lstStyle/>
+          <a:p>
+            <a:r>
+              <a:rPr kumimoji="1" lang="zh-CN" altLang="en-US" dirty="0"/>
+              <a:t>链式调用简写</a:t>
+            </a:r>
+            <a:endParaRPr lang="zh-CN" altLang="en-US" dirty="0"/>
+          </a:p>
+        </p:txBody>
+      </p:sp>
+      <p:sp>
+        <p:nvSpPr>
+          <p:cNvPr id="3" name="内容占位符 2">
+            <a:extLst>
+              <a:ext uri="{FF2B5EF4-FFF2-40B4-BE49-F238E27FC236}">
+                <a16:creationId xmlns:a16="http://schemas.microsoft.com/office/drawing/2014/main" id="{349EB7CE-ACB9-461D-ABD1-C4B53C255AF1}"/>
+              </a:ext>
+            </a:extLst>
+          </p:cNvPr>
+          <p:cNvSpPr>
+            <a:spLocks noGrp="1"/>
+          </p:cNvSpPr>
+          <p:nvPr>
+            <p:ph idx="1"/>
+          </p:nvPr>
+        </p:nvSpPr>
+        <p:spPr>
+          <a:xfrm>
+            <a:off x="447937" y="814192"/>
+            <a:ext cx="6179047" cy="4614636"/>
+          </a:xfrm>
+        </p:spPr>
+        <p:txBody>
+          <a:bodyPr/>
+          <a:lstStyle/>
+          <a:p>
+            <a:r>
+              <a:rPr lang="zh-CN" altLang="en-US" sz="1600" dirty="0"/>
+              <a:t>简化版代码：</a:t>
+            </a:r>
+          </a:p>
+          <a:p>
+            <a:pPr lvl="1"/>
+            <a:r>
+              <a:rPr lang="zh-CN" altLang="en-US" sz="1600" dirty="0"/>
+              <a:t>如果我们希望数据直接包装成</a:t>
+            </a:r>
+            <a:r>
+              <a:rPr lang="en-US" altLang="zh-CN" sz="1600" dirty="0" err="1"/>
+              <a:t>Promise.resolve</a:t>
+            </a:r>
+            <a:r>
+              <a:rPr lang="zh-CN" altLang="en-US" sz="1600" dirty="0"/>
+              <a:t>，那么在</a:t>
+            </a:r>
+            <a:r>
+              <a:rPr lang="en-US" altLang="zh-CN" sz="1600" dirty="0"/>
+              <a:t>then</a:t>
+            </a:r>
+            <a:r>
+              <a:rPr lang="zh-CN" altLang="en-US" sz="1600" dirty="0"/>
+              <a:t>中可以直接返回数据</a:t>
+            </a:r>
+          </a:p>
+          <a:p>
+            <a:pPr lvl="1"/>
+            <a:r>
+              <a:rPr lang="zh-CN" altLang="en-US" sz="1600" dirty="0"/>
+              <a:t>注意下面的代码中，我讲</a:t>
+            </a:r>
+            <a:r>
+              <a:rPr lang="en-US" altLang="zh-CN" sz="1600" dirty="0"/>
+              <a:t>return </a:t>
+            </a:r>
+            <a:r>
+              <a:rPr lang="en-US" altLang="zh-CN" sz="1600" dirty="0" err="1"/>
+              <a:t>Promise.resovle</a:t>
+            </a:r>
+            <a:r>
+              <a:rPr lang="en-US" altLang="zh-CN" sz="1600" dirty="0"/>
+              <a:t>(data)</a:t>
+            </a:r>
+            <a:r>
+              <a:rPr lang="zh-CN" altLang="en-US" sz="1600" dirty="0"/>
+              <a:t>改成了</a:t>
+            </a:r>
+            <a:r>
+              <a:rPr lang="en-US" altLang="zh-CN" sz="1600" dirty="0"/>
+              <a:t>return data</a:t>
+            </a:r>
+          </a:p>
+          <a:p>
+            <a:pPr lvl="1"/>
+            <a:r>
+              <a:rPr lang="zh-CN" altLang="en-US" sz="1600" dirty="0"/>
+              <a:t>结果依然是一样的</a:t>
+            </a:r>
+          </a:p>
+          <a:p>
+            <a:endParaRPr kumimoji="1" lang="zh-CN" altLang="en-US" sz="1600" dirty="0"/>
+          </a:p>
+        </p:txBody>
+      </p:sp>
+      <p:pic>
+        <p:nvPicPr>
+          <p:cNvPr id="5" name="图片 4">
+            <a:extLst>
+              <a:ext uri="{FF2B5EF4-FFF2-40B4-BE49-F238E27FC236}">
+                <a16:creationId xmlns:a16="http://schemas.microsoft.com/office/drawing/2014/main" id="{0B94DB08-1291-4F2A-BF31-99F819406D8D}"/>
+              </a:ext>
+            </a:extLst>
+          </p:cNvPr>
+          <p:cNvPicPr>
+            <a:picLocks noChangeAspect="1"/>
+          </p:cNvPicPr>
+          <p:nvPr/>
+        </p:nvPicPr>
+        <p:blipFill>
+          <a:blip r:embed="rId2"/>
+          <a:stretch>
+            <a:fillRect/>
+          </a:stretch>
+        </p:blipFill>
+        <p:spPr>
+          <a:xfrm>
+            <a:off x="6447976" y="1238066"/>
+            <a:ext cx="5333716" cy="5343292"/>
+          </a:xfrm>
+          <a:prstGeom prst="rect">
+            <a:avLst/>
+          </a:prstGeom>
+        </p:spPr>
+      </p:pic>
+    </p:spTree>
+    <p:extLst>
+      <p:ext uri="{BB962C8B-B14F-4D97-AF65-F5344CB8AC3E}">
+        <p14:creationId xmlns:p14="http://schemas.microsoft.com/office/powerpoint/2010/main" val="3505774642"/>
+      </p:ext>
+    </p:extLst>
+  </p:cSld>
+  <p:clrMapOvr>
+    <a:masterClrMapping/>
+  </p:clrMapOvr>
+</p:sld>
+</file>
+
+<file path=ppt/slides/slide11.xml><?xml version="1.0" encoding="utf-8"?>
+<p:sld xmlns:a="http://schemas.openxmlformats.org/drawingml/2006/main" xmlns:r="http://schemas.openxmlformats.org/officeDocument/2006/relationships" xmlns:p="http://schemas.openxmlformats.org/presentationml/2006/main">
+  <p:cSld>
+    <p:spTree>
+      <p:nvGrpSpPr>
+        <p:cNvPr id="1" name=""/>
+        <p:cNvGrpSpPr/>
+        <p:nvPr/>
+      </p:nvGrpSpPr>
+      <p:grpSpPr>
+        <a:xfrm>
+          <a:off x="0" y="0"/>
+          <a:ext cx="0" cy="0"/>
+          <a:chOff x="0" y="0"/>
+          <a:chExt cx="0" cy="0"/>
+        </a:xfrm>
+      </p:grpSpPr>
+      <p:sp>
+        <p:nvSpPr>
+          <p:cNvPr id="2" name="标题 1">
+            <a:extLst>
+              <a:ext uri="{FF2B5EF4-FFF2-40B4-BE49-F238E27FC236}">
+                <a16:creationId xmlns:a16="http://schemas.microsoft.com/office/drawing/2014/main" id="{6047A424-70D7-4CCC-966E-2695D258EB84}"/>
+              </a:ext>
+            </a:extLst>
+          </p:cNvPr>
+          <p:cNvSpPr>
+            <a:spLocks noGrp="1"/>
+          </p:cNvSpPr>
+          <p:nvPr>
+            <p:ph type="title"/>
+          </p:nvPr>
+        </p:nvSpPr>
+        <p:spPr>
+          <a:xfrm>
+            <a:off x="1239416" y="130456"/>
+            <a:ext cx="10952584" cy="466628"/>
+          </a:xfrm>
+        </p:spPr>
+        <p:txBody>
+          <a:bodyPr/>
+          <a:lstStyle/>
+          <a:p>
+            <a:r>
+              <a:rPr kumimoji="1" lang="zh-CN" altLang="en-US" dirty="0"/>
+              <a:t>终结版</a:t>
+            </a:r>
+            <a:r>
+              <a:rPr kumimoji="1" lang="en-US" altLang="zh-CN" sz="2400" dirty="0"/>
+              <a:t>async/await</a:t>
+            </a:r>
+            <a:r>
+              <a:rPr kumimoji="1" lang="zh-CN" altLang="en-US" sz="2400" dirty="0"/>
+              <a:t>（掌握）</a:t>
+            </a:r>
+            <a:endParaRPr lang="zh-CN" altLang="en-US" dirty="0"/>
+          </a:p>
+        </p:txBody>
+      </p:sp>
+      <p:sp>
+        <p:nvSpPr>
+          <p:cNvPr id="3" name="内容占位符 2">
+            <a:extLst>
+              <a:ext uri="{FF2B5EF4-FFF2-40B4-BE49-F238E27FC236}">
+                <a16:creationId xmlns:a16="http://schemas.microsoft.com/office/drawing/2014/main" id="{349EB7CE-ACB9-461D-ABD1-C4B53C255AF1}"/>
+              </a:ext>
+            </a:extLst>
+          </p:cNvPr>
+          <p:cNvSpPr>
+            <a:spLocks noGrp="1"/>
+          </p:cNvSpPr>
+          <p:nvPr>
+            <p:ph idx="1"/>
+          </p:nvPr>
+        </p:nvSpPr>
+        <p:spPr>
+          <a:xfrm>
+            <a:off x="447937" y="814191"/>
+            <a:ext cx="11145648" cy="5427217"/>
+          </a:xfrm>
+        </p:spPr>
+        <p:txBody>
+          <a:bodyPr/>
+          <a:lstStyle/>
+          <a:p>
+            <a:r>
+              <a:rPr kumimoji="1" lang="zh-CN" altLang="en-US" sz="1600" dirty="0"/>
+              <a:t>我们从上也可以发现使用</a:t>
+            </a:r>
+            <a:r>
+              <a:rPr kumimoji="1" lang="en-US" altLang="zh-CN" sz="1600" dirty="0"/>
+              <a:t>promise</a:t>
+            </a:r>
+            <a:r>
+              <a:rPr kumimoji="1" lang="zh-CN" altLang="en-US" sz="1600" dirty="0"/>
+              <a:t>中，也会产生一系列的问题。</a:t>
+            </a:r>
+            <a:endParaRPr kumimoji="1" lang="en-US" altLang="zh-CN" sz="1600" dirty="0"/>
+          </a:p>
+          <a:p>
+            <a:pPr lvl="1"/>
+            <a:r>
+              <a:rPr kumimoji="1" lang="zh-CN" altLang="en-US" sz="1400" dirty="0"/>
+              <a:t>例如：如果希望链式调用，那么每次都需要重新返回</a:t>
+            </a:r>
+            <a:r>
+              <a:rPr kumimoji="1" lang="en-US" altLang="zh-CN" sz="1400" dirty="0"/>
+              <a:t>promise</a:t>
+            </a:r>
+            <a:r>
+              <a:rPr kumimoji="1" lang="zh-CN" altLang="en-US" sz="1400" dirty="0"/>
+              <a:t>才可以。</a:t>
+            </a:r>
+            <a:endParaRPr kumimoji="1" lang="en-US" altLang="zh-CN" sz="1400" dirty="0"/>
+          </a:p>
+          <a:p>
+            <a:pPr lvl="1"/>
+            <a:r>
+              <a:rPr kumimoji="1" lang="zh-CN" altLang="en-US" sz="1400" dirty="0"/>
+              <a:t>本来我们是希望尽可能早处理我们的问题，但是也导致了更为严重的问题。</a:t>
+            </a:r>
+            <a:endParaRPr kumimoji="1" lang="en-US" altLang="zh-CN" sz="1400" dirty="0"/>
+          </a:p>
+          <a:p>
+            <a:r>
+              <a:rPr kumimoji="1" lang="zh-CN" altLang="en-US" sz="1600" dirty="0"/>
+              <a:t>那么如何解决呢？</a:t>
+            </a:r>
+            <a:endParaRPr kumimoji="1" lang="en-US" altLang="zh-CN" sz="1600" dirty="0"/>
+          </a:p>
+          <a:p>
+            <a:r>
+              <a:rPr kumimoji="1" lang="zh-CN" altLang="en-US" sz="1600" dirty="0"/>
+              <a:t>借助于</a:t>
+            </a:r>
+            <a:r>
+              <a:rPr kumimoji="1" lang="en-US" altLang="zh-CN" sz="1600" dirty="0"/>
+              <a:t>es7</a:t>
+            </a:r>
+            <a:r>
+              <a:rPr kumimoji="1" lang="zh-CN" altLang="en-US" sz="1600" dirty="0"/>
+              <a:t>的</a:t>
+            </a:r>
+            <a:r>
+              <a:rPr kumimoji="1" lang="en-US" altLang="zh-CN" sz="1600" dirty="0"/>
+              <a:t>async/await</a:t>
+            </a:r>
+            <a:r>
+              <a:rPr kumimoji="1" lang="zh-CN" altLang="en-US" sz="1600" dirty="0"/>
+              <a:t>。</a:t>
+            </a:r>
+            <a:endParaRPr kumimoji="1" lang="en-US" altLang="zh-CN" sz="1600" dirty="0"/>
+          </a:p>
+          <a:p>
+            <a:r>
+              <a:rPr kumimoji="1" lang="en-US" altLang="zh-CN" sz="1600" dirty="0"/>
+              <a:t>async</a:t>
+            </a:r>
+            <a:r>
+              <a:rPr kumimoji="1" lang="zh-CN" altLang="en-US" sz="1600" dirty="0"/>
+              <a:t>本来就是异步的意思，它是将某个函数变为异步函数。</a:t>
+            </a:r>
+            <a:endParaRPr kumimoji="1" lang="en-US" altLang="zh-CN" sz="1600" dirty="0"/>
+          </a:p>
+          <a:p>
+            <a:r>
+              <a:rPr kumimoji="1" lang="en-US" altLang="zh-CN" sz="1600" dirty="0"/>
+              <a:t>await</a:t>
+            </a:r>
+            <a:r>
+              <a:rPr kumimoji="1" lang="zh-CN" altLang="en-US" sz="1600" dirty="0"/>
+              <a:t>是等待的意思，那么</a:t>
+            </a:r>
+            <a:r>
+              <a:rPr kumimoji="1" lang="en-US" altLang="zh-CN" sz="1600" dirty="0"/>
+              <a:t>await</a:t>
+            </a:r>
+            <a:r>
+              <a:rPr kumimoji="1" lang="zh-CN" altLang="en-US" sz="1600" dirty="0"/>
+              <a:t>是写在</a:t>
+            </a:r>
+            <a:r>
+              <a:rPr kumimoji="1" lang="en-US" altLang="zh-CN" sz="1600" dirty="0"/>
+              <a:t>promise</a:t>
+            </a:r>
+            <a:r>
+              <a:rPr kumimoji="1" lang="zh-CN" altLang="en-US" sz="1600" dirty="0"/>
+              <a:t>函数之前注意加空格。</a:t>
+            </a:r>
+            <a:endParaRPr kumimoji="1" lang="en-US" altLang="zh-CN" sz="1600" dirty="0"/>
+          </a:p>
+          <a:p>
+            <a:r>
+              <a:rPr kumimoji="1" lang="zh-CN" altLang="en-US" sz="1600" dirty="0"/>
+              <a:t>这样意思就是等待异步加载完才执行。它们本身就是一个异步函数，只不过在异步函数，只部可以像同步一样书写代码。</a:t>
+            </a:r>
+            <a:endParaRPr kumimoji="1" lang="en-US" altLang="zh-CN" sz="1600" dirty="0"/>
+          </a:p>
+          <a:p>
+            <a:pPr marL="457200" lvl="1" indent="0">
+              <a:buNone/>
+            </a:pPr>
+            <a:endParaRPr kumimoji="1" lang="en-US" altLang="zh-CN" sz="1400" dirty="0"/>
+          </a:p>
+          <a:p>
+            <a:pPr lvl="1"/>
+            <a:endParaRPr kumimoji="1" lang="zh-CN" altLang="en-US" sz="1400" dirty="0"/>
+          </a:p>
+        </p:txBody>
+      </p:sp>
+    </p:spTree>
+    <p:extLst>
+      <p:ext uri="{BB962C8B-B14F-4D97-AF65-F5344CB8AC3E}">
+        <p14:creationId xmlns:p14="http://schemas.microsoft.com/office/powerpoint/2010/main" val="449944276"/>
+      </p:ext>
+    </p:extLst>
+  </p:cSld>
+  <p:clrMapOvr>
+    <a:masterClrMapping/>
+  </p:clrMapOvr>
+</p:sld>
+</file>
+
+<file path=ppt/slides/slide12.xml><?xml version="1.0" encoding="utf-8"?>
+<p:sld xmlns:a="http://schemas.openxmlformats.org/drawingml/2006/main" xmlns:r="http://schemas.openxmlformats.org/officeDocument/2006/relationships" xmlns:p="http://schemas.openxmlformats.org/presentationml/2006/main">
+  <p:cSld>
+    <p:spTree>
+      <p:nvGrpSpPr>
+        <p:cNvPr id="1" name=""/>
+        <p:cNvGrpSpPr/>
+        <p:nvPr/>
+      </p:nvGrpSpPr>
+      <p:grpSpPr>
+        <a:xfrm>
+          <a:off x="0" y="0"/>
+          <a:ext cx="0" cy="0"/>
+          <a:chOff x="0" y="0"/>
+          <a:chExt cx="0" cy="0"/>
+        </a:xfrm>
+      </p:grpSpPr>
+      <p:sp>
+        <p:nvSpPr>
+          <p:cNvPr id="2" name="标题 1">
+            <a:extLst>
+              <a:ext uri="{FF2B5EF4-FFF2-40B4-BE49-F238E27FC236}">
+                <a16:creationId xmlns:a16="http://schemas.microsoft.com/office/drawing/2014/main" id="{6047A424-70D7-4CCC-966E-2695D258EB84}"/>
+              </a:ext>
+            </a:extLst>
+          </p:cNvPr>
+          <p:cNvSpPr>
+            <a:spLocks noGrp="1"/>
+          </p:cNvSpPr>
+          <p:nvPr>
+            <p:ph type="title"/>
+          </p:nvPr>
+        </p:nvSpPr>
+        <p:spPr>
+          <a:xfrm>
+            <a:off x="1239416" y="130456"/>
+            <a:ext cx="10952584" cy="466628"/>
+          </a:xfrm>
+        </p:spPr>
+        <p:txBody>
+          <a:bodyPr/>
+          <a:lstStyle/>
+          <a:p>
+            <a:r>
+              <a:rPr kumimoji="1" lang="zh-CN" altLang="en-US" dirty="0"/>
+              <a:t>终结版</a:t>
+            </a:r>
+            <a:r>
+              <a:rPr kumimoji="1" lang="en-US" altLang="zh-CN" sz="2400" dirty="0"/>
+              <a:t>async/await</a:t>
+            </a:r>
+            <a:r>
+              <a:rPr kumimoji="1" lang="zh-CN" altLang="en-US" sz="2400" dirty="0"/>
+              <a:t>改造</a:t>
+            </a:r>
+            <a:r>
+              <a:rPr kumimoji="1" lang="en-US" altLang="zh-CN" sz="2400" dirty="0" err="1"/>
+              <a:t>promisify</a:t>
+            </a:r>
+            <a:endParaRPr lang="zh-CN" altLang="en-US" dirty="0"/>
+          </a:p>
+        </p:txBody>
+      </p:sp>
+      <p:sp>
+        <p:nvSpPr>
+          <p:cNvPr id="5" name="文本框 4">
+            <a:extLst>
+              <a:ext uri="{FF2B5EF4-FFF2-40B4-BE49-F238E27FC236}">
+                <a16:creationId xmlns:a16="http://schemas.microsoft.com/office/drawing/2014/main" id="{B670788A-CC70-4E05-B08D-2C6A03D1D496}"/>
+              </a:ext>
+            </a:extLst>
+          </p:cNvPr>
+          <p:cNvSpPr txBox="1"/>
+          <p:nvPr/>
+        </p:nvSpPr>
+        <p:spPr>
+          <a:xfrm>
+            <a:off x="247624" y="1308683"/>
+            <a:ext cx="6144788" cy="3970318"/>
+          </a:xfrm>
+          <a:prstGeom prst="rect">
+            <a:avLst/>
+          </a:prstGeom>
+          <a:noFill/>
+        </p:spPr>
+        <p:txBody>
+          <a:bodyPr wrap="square" rtlCol="0">
+            <a:spAutoFit/>
+          </a:bodyPr>
+          <a:lstStyle/>
+          <a:p>
+            <a:r>
+              <a:rPr lang="en-US" altLang="zh-CN" dirty="0"/>
+              <a:t> function </a:t>
+            </a:r>
+            <a:r>
+              <a:rPr lang="en-US" altLang="zh-CN" dirty="0" err="1"/>
+              <a:t>promisify</a:t>
+            </a:r>
+            <a:r>
+              <a:rPr lang="en-US" altLang="zh-CN" dirty="0"/>
+              <a:t>(</a:t>
+            </a:r>
+            <a:r>
+              <a:rPr lang="en-US" altLang="zh-CN" dirty="0" err="1"/>
+              <a:t>fn</a:t>
+            </a:r>
+            <a:r>
+              <a:rPr lang="en-US" altLang="zh-CN" dirty="0"/>
+              <a:t>, delay = 1000) {</a:t>
+            </a:r>
+          </a:p>
+          <a:p>
+            <a:r>
+              <a:rPr lang="en-US" altLang="zh-CN" dirty="0"/>
+              <a:t>    return new Promise((resolve, reject) =&gt; {</a:t>
+            </a:r>
+          </a:p>
+          <a:p>
+            <a:r>
+              <a:rPr lang="en-US" altLang="zh-CN" dirty="0"/>
+              <a:t>      </a:t>
+            </a:r>
+            <a:r>
+              <a:rPr lang="en-US" altLang="zh-CN" dirty="0" err="1"/>
+              <a:t>setTimeout</a:t>
+            </a:r>
+            <a:r>
+              <a:rPr lang="en-US" altLang="zh-CN" dirty="0"/>
+              <a:t>(function () {</a:t>
+            </a:r>
+          </a:p>
+          <a:p>
+            <a:r>
+              <a:rPr lang="en-US" altLang="zh-CN" dirty="0"/>
+              <a:t>        try {</a:t>
+            </a:r>
+          </a:p>
+          <a:p>
+            <a:r>
+              <a:rPr lang="en-US" altLang="zh-CN" dirty="0"/>
+              <a:t>          resolve(</a:t>
+            </a:r>
+            <a:r>
+              <a:rPr lang="en-US" altLang="zh-CN" dirty="0" err="1"/>
+              <a:t>fn</a:t>
+            </a:r>
+            <a:r>
+              <a:rPr lang="en-US" altLang="zh-CN" dirty="0"/>
+              <a:t>());</a:t>
+            </a:r>
+          </a:p>
+          <a:p>
+            <a:r>
+              <a:rPr lang="en-US" altLang="zh-CN" dirty="0"/>
+              <a:t>        } catch (e) {</a:t>
+            </a:r>
+          </a:p>
+          <a:p>
+            <a:r>
+              <a:rPr lang="en-US" altLang="zh-CN" dirty="0"/>
+              <a:t>          reject(e);</a:t>
+            </a:r>
+          </a:p>
+          <a:p>
+            <a:r>
+              <a:rPr lang="en-US" altLang="zh-CN" dirty="0"/>
+              <a:t>        }</a:t>
+            </a:r>
+          </a:p>
+          <a:p>
+            <a:r>
+              <a:rPr lang="en-US" altLang="zh-CN" dirty="0"/>
+              <a:t>      }, delay)</a:t>
+            </a:r>
+          </a:p>
+          <a:p>
+            <a:r>
+              <a:rPr lang="en-US" altLang="zh-CN" dirty="0"/>
+              <a:t>    })</a:t>
+            </a:r>
+          </a:p>
+          <a:p>
+            <a:r>
+              <a:rPr lang="en-US" altLang="zh-CN" dirty="0"/>
+              <a:t>  }</a:t>
+            </a:r>
+          </a:p>
+          <a:p>
+            <a:r>
+              <a:rPr lang="en-US" altLang="zh-CN" dirty="0"/>
+              <a:t>  </a:t>
+            </a:r>
+            <a:r>
+              <a:rPr lang="en-US" altLang="zh-CN" dirty="0" err="1"/>
+              <a:t>promisify</a:t>
+            </a:r>
+            <a:r>
+              <a:rPr lang="en-US" altLang="zh-CN" dirty="0">
+                <a:solidFill>
+                  <a:srgbClr val="FF0000"/>
+                </a:solidFill>
+              </a:rPr>
+              <a:t>(() =&gt; {a:1,b:1}</a:t>
+            </a:r>
+            <a:r>
+              <a:rPr lang="en-US" altLang="zh-CN" dirty="0"/>
+              <a:t>).then(function (data) {</a:t>
+            </a:r>
+          </a:p>
+          <a:p>
+            <a:r>
+              <a:rPr lang="en-US" altLang="zh-CN" dirty="0"/>
+              <a:t>    console.log(data)</a:t>
+            </a:r>
+          </a:p>
+          <a:p>
+            <a:r>
+              <a:rPr lang="en-US" altLang="zh-CN" dirty="0"/>
+              <a:t>  })</a:t>
+            </a:r>
+            <a:endParaRPr lang="zh-CN" altLang="en-US" dirty="0"/>
+          </a:p>
+        </p:txBody>
+      </p:sp>
+      <p:sp>
+        <p:nvSpPr>
+          <p:cNvPr id="8" name="文本框 7">
+            <a:extLst>
+              <a:ext uri="{FF2B5EF4-FFF2-40B4-BE49-F238E27FC236}">
+                <a16:creationId xmlns:a16="http://schemas.microsoft.com/office/drawing/2014/main" id="{104C8D1C-FED0-48E6-8EC6-AA8E73323ED6}"/>
+              </a:ext>
+            </a:extLst>
+          </p:cNvPr>
+          <p:cNvSpPr txBox="1"/>
+          <p:nvPr/>
+        </p:nvSpPr>
+        <p:spPr>
+          <a:xfrm>
+            <a:off x="6322651" y="2228671"/>
+            <a:ext cx="4900315" cy="1200329"/>
+          </a:xfrm>
+          <a:prstGeom prst="rect">
+            <a:avLst/>
+          </a:prstGeom>
+          <a:noFill/>
+        </p:spPr>
+        <p:txBody>
+          <a:bodyPr wrap="square" rtlCol="0">
+            <a:spAutoFit/>
+          </a:bodyPr>
+          <a:lstStyle/>
+          <a:p>
+            <a:r>
+              <a:rPr lang="en-US" altLang="zh-CN" dirty="0" err="1"/>
+              <a:t>window.onload</a:t>
+            </a:r>
+            <a:r>
+              <a:rPr lang="en-US" altLang="zh-CN" dirty="0"/>
+              <a:t> = </a:t>
+            </a:r>
+            <a:r>
+              <a:rPr lang="en-US" altLang="zh-CN" dirty="0">
+                <a:solidFill>
+                  <a:srgbClr val="FF0000"/>
+                </a:solidFill>
+              </a:rPr>
+              <a:t>async</a:t>
+            </a:r>
+            <a:r>
+              <a:rPr lang="en-US" altLang="zh-CN" dirty="0"/>
+              <a:t> function () {</a:t>
+            </a:r>
+          </a:p>
+          <a:p>
+            <a:r>
+              <a:rPr lang="en-US" altLang="zh-CN" dirty="0"/>
+              <a:t>    let res = </a:t>
+            </a:r>
+            <a:r>
+              <a:rPr lang="en-US" altLang="zh-CN" dirty="0">
+                <a:solidFill>
+                  <a:srgbClr val="FF0000"/>
+                </a:solidFill>
+              </a:rPr>
+              <a:t>await </a:t>
+            </a:r>
+            <a:r>
+              <a:rPr lang="en-US" altLang="zh-CN" dirty="0" err="1">
+                <a:solidFill>
+                  <a:srgbClr val="FF0000"/>
+                </a:solidFill>
+              </a:rPr>
+              <a:t>getjson</a:t>
+            </a:r>
+            <a:r>
+              <a:rPr lang="en-US" altLang="zh-CN" dirty="0">
+                <a:solidFill>
+                  <a:srgbClr val="FF0000"/>
+                </a:solidFill>
+              </a:rPr>
+              <a:t>()</a:t>
+            </a:r>
+          </a:p>
+          <a:p>
+            <a:r>
+              <a:rPr lang="en-US" altLang="zh-CN" dirty="0"/>
+              <a:t>    </a:t>
+            </a:r>
+            <a:r>
+              <a:rPr lang="en-US" altLang="zh-CN" dirty="0">
+                <a:solidFill>
+                  <a:srgbClr val="FF0000"/>
+                </a:solidFill>
+              </a:rPr>
+              <a:t>console.log(res)</a:t>
+            </a:r>
+          </a:p>
+          <a:p>
+            <a:r>
+              <a:rPr lang="en-US" altLang="zh-CN" dirty="0"/>
+              <a:t>  }</a:t>
+            </a:r>
+            <a:endParaRPr lang="zh-CN" altLang="en-US" dirty="0"/>
+          </a:p>
+        </p:txBody>
+      </p:sp>
+    </p:spTree>
+    <p:extLst>
+      <p:ext uri="{BB962C8B-B14F-4D97-AF65-F5344CB8AC3E}">
+        <p14:creationId xmlns:p14="http://schemas.microsoft.com/office/powerpoint/2010/main" val="134816660"/>
+      </p:ext>
+    </p:extLst>
+  </p:cSld>
+  <p:clrMapOvr>
+    <a:masterClrMapping/>
+  </p:clrMapOvr>
+</p:sld>
+</file>
+
 <file path=ppt/slides/slide2.xml><?xml version="1.0" encoding="utf-8"?>
 <p:sld xmlns:a="http://schemas.openxmlformats.org/drawingml/2006/main" xmlns:r="http://schemas.openxmlformats.org/officeDocument/2006/relationships" xmlns:p="http://schemas.openxmlformats.org/presentationml/2006/main">
   <p:cSld>
@@ -2079,7 +2849,7 @@
         </p:nvSpPr>
         <p:spPr>
           <a:xfrm>
-            <a:off x="447938" y="814192"/>
+            <a:off x="330492" y="814192"/>
             <a:ext cx="5969640" cy="4614636"/>
           </a:xfrm>
         </p:spPr>
@@ -2360,7 +3130,11 @@
           <a:p>
             <a:r>
               <a:rPr kumimoji="1" lang="zh-CN" altLang="en-US" dirty="0"/>
-              <a:t>定时器异步事件解析</a:t>
+              <a:t>定时器异步事件高级</a:t>
+            </a:r>
+            <a:r>
+              <a:rPr kumimoji="1" lang="en-US" altLang="zh-CN" dirty="0" err="1"/>
+              <a:t>Promisify</a:t>
             </a:r>
             <a:endParaRPr lang="zh-CN" altLang="en-US" dirty="0"/>
           </a:p>
@@ -2384,8 +3158,8 @@
         </p:nvSpPr>
         <p:spPr>
           <a:xfrm>
-            <a:off x="447937" y="814192"/>
-            <a:ext cx="11128869" cy="4614636"/>
+            <a:off x="330491" y="814191"/>
+            <a:ext cx="11330205" cy="5309771"/>
           </a:xfrm>
         </p:spPr>
         <p:txBody>
@@ -2393,181 +3167,235 @@
           <a:lstStyle/>
           <a:p>
             <a:r>
-              <a:rPr lang="zh-CN" altLang="en-US" sz="1600" dirty="0"/>
-              <a:t>我们先来认认真真的读一读这个程序到底做了什么？</a:t>
-            </a:r>
-          </a:p>
-          <a:p>
-            <a:pPr lvl="1"/>
-            <a:r>
-              <a:rPr lang="en-US" altLang="zh-CN" sz="1600" dirty="0"/>
-              <a:t>new Promise</a:t>
-            </a:r>
-            <a:r>
-              <a:rPr lang="zh-CN" altLang="en-US" sz="1600" dirty="0"/>
-              <a:t>很明显是创建一个</a:t>
-            </a:r>
-            <a:r>
-              <a:rPr lang="en-US" altLang="zh-CN" sz="1600" dirty="0"/>
-              <a:t>Promise</a:t>
-            </a:r>
-            <a:r>
-              <a:rPr lang="zh-CN" altLang="en-US" sz="1600" dirty="0"/>
-              <a:t>对象</a:t>
-            </a:r>
-          </a:p>
-          <a:p>
-            <a:pPr lvl="1"/>
-            <a:r>
-              <a:rPr lang="zh-CN" altLang="en-US" sz="1600" dirty="0"/>
-              <a:t>小括号中</a:t>
-            </a:r>
-            <a:r>
-              <a:rPr lang="en-US" altLang="zh-CN" sz="1600" dirty="0"/>
-              <a:t>((resolve, reject) =&gt; {})</a:t>
-            </a:r>
-            <a:r>
-              <a:rPr lang="zh-CN" altLang="en-US" sz="1600" dirty="0"/>
-              <a:t>也很明显就是一个函数，而且我们这里用的是之前刚刚学习过的箭头函数。</a:t>
-            </a:r>
-          </a:p>
-          <a:p>
-            <a:pPr lvl="2"/>
-            <a:r>
-              <a:rPr lang="zh-CN" altLang="en-US" dirty="0"/>
-              <a:t>但是</a:t>
-            </a:r>
-            <a:r>
-              <a:rPr lang="en-US" altLang="zh-CN" dirty="0"/>
-              <a:t>resolve, reject</a:t>
-            </a:r>
-            <a:r>
-              <a:rPr lang="zh-CN" altLang="en-US" dirty="0"/>
-              <a:t>它们是什么呢？</a:t>
-            </a:r>
-          </a:p>
-          <a:p>
-            <a:pPr lvl="2"/>
-            <a:r>
-              <a:rPr lang="zh-CN" altLang="en-US" dirty="0"/>
-              <a:t>我们先知道一个事实：在创建</a:t>
-            </a:r>
-            <a:r>
-              <a:rPr lang="en-US" altLang="zh-CN" dirty="0"/>
-              <a:t>Promise</a:t>
-            </a:r>
-            <a:r>
-              <a:rPr lang="zh-CN" altLang="en-US" dirty="0"/>
-              <a:t>时，传入的这个箭头函数是固定的（一般我们都会这样写）</a:t>
-            </a:r>
-          </a:p>
-          <a:p>
-            <a:pPr lvl="2"/>
-            <a:r>
-              <a:rPr lang="en-US" altLang="zh-CN" dirty="0"/>
-              <a:t>resolve</a:t>
-            </a:r>
-            <a:r>
-              <a:rPr lang="zh-CN" altLang="en-US" dirty="0"/>
-              <a:t>和</a:t>
-            </a:r>
-            <a:r>
-              <a:rPr lang="en-US" altLang="zh-CN" dirty="0"/>
-              <a:t>reject</a:t>
-            </a:r>
-            <a:r>
-              <a:rPr lang="zh-CN" altLang="en-US" dirty="0"/>
-              <a:t>它们两个也是函数，通常情况下，我们会根据请求数据的成功和失败来决定调用哪一个。</a:t>
-            </a:r>
-          </a:p>
-          <a:p>
-            <a:pPr lvl="1"/>
-            <a:r>
-              <a:rPr lang="zh-CN" altLang="en-US" sz="1600" dirty="0"/>
-              <a:t>成功还是失败？</a:t>
-            </a:r>
-          </a:p>
-          <a:p>
-            <a:pPr lvl="2"/>
-            <a:r>
-              <a:rPr lang="zh-CN" altLang="en-US" dirty="0"/>
-              <a:t>如果是成功的，那么通常我们会调用</a:t>
-            </a:r>
-            <a:r>
-              <a:rPr lang="en-US" altLang="zh-CN" dirty="0"/>
-              <a:t>resolve(</a:t>
+              <a:rPr kumimoji="1" lang="zh-CN" altLang="en-US" sz="1600" dirty="0"/>
+              <a:t>上面会发现我们可以对定时器进行</a:t>
+            </a:r>
+            <a:r>
+              <a:rPr kumimoji="1" lang="en-US" altLang="zh-CN" sz="1600" dirty="0"/>
+              <a:t>promise</a:t>
+            </a:r>
+            <a:r>
+              <a:rPr kumimoji="1" lang="zh-CN" altLang="en-US" sz="1600" dirty="0"/>
+              <a:t>处理。那么其它方法怎么异步化处理呢？</a:t>
+            </a:r>
+            <a:endParaRPr kumimoji="1" lang="en-US" altLang="zh-CN" sz="1600" dirty="0"/>
+          </a:p>
+          <a:p>
+            <a:r>
+              <a:rPr kumimoji="1" lang="zh-CN" altLang="en-US" sz="1600" dirty="0"/>
+              <a:t>比如我们希望导入一个</a:t>
+            </a:r>
+            <a:r>
+              <a:rPr kumimoji="1" lang="en-US" altLang="zh-CN" sz="1600" dirty="0"/>
+              <a:t>json</a:t>
+            </a:r>
+            <a:r>
+              <a:rPr kumimoji="1" lang="zh-CN" altLang="en-US" sz="1600" dirty="0"/>
+              <a:t>。那么</a:t>
+            </a:r>
+            <a:r>
+              <a:rPr kumimoji="1" lang="en-US" altLang="zh-CN" sz="1600" dirty="0"/>
+              <a:t>json</a:t>
+            </a:r>
+            <a:r>
+              <a:rPr kumimoji="1" lang="zh-CN" altLang="en-US" sz="1600" dirty="0"/>
+              <a:t>是本地化的，那么能不能延迟处理呢？</a:t>
+            </a:r>
+            <a:endParaRPr kumimoji="1" lang="en-US" altLang="zh-CN" sz="1600" dirty="0"/>
+          </a:p>
+          <a:p>
+            <a:r>
+              <a:rPr kumimoji="1" lang="zh-CN" altLang="en-US" sz="1600" dirty="0"/>
+              <a:t>以及上面的代码中定时器，它的业务永远是死的？如何写活？</a:t>
+            </a:r>
+            <a:endParaRPr kumimoji="1" lang="en-US" altLang="zh-CN" sz="1600" dirty="0"/>
+          </a:p>
+          <a:p>
+            <a:r>
+              <a:rPr kumimoji="1" lang="zh-CN" altLang="en-US" sz="1600" dirty="0"/>
+              <a:t>我们可以定义一个方法叫做</a:t>
+            </a:r>
+            <a:r>
+              <a:rPr kumimoji="1" lang="en-US" altLang="zh-CN" sz="1600" dirty="0" err="1"/>
+              <a:t>promisify</a:t>
+            </a:r>
+            <a:r>
+              <a:rPr kumimoji="1" lang="zh-CN" altLang="en-US" sz="1600" dirty="0"/>
+              <a:t>。</a:t>
+            </a:r>
+            <a:endParaRPr kumimoji="1" lang="en-US" altLang="zh-CN" sz="1600" dirty="0"/>
+          </a:p>
+          <a:p>
+            <a:endParaRPr kumimoji="1" lang="en-US" altLang="zh-CN" sz="1600" dirty="0"/>
+          </a:p>
+        </p:txBody>
+      </p:sp>
+      <p:sp>
+        <p:nvSpPr>
+          <p:cNvPr id="4" name="文本框 3">
+            <a:extLst>
+              <a:ext uri="{FF2B5EF4-FFF2-40B4-BE49-F238E27FC236}">
+                <a16:creationId xmlns:a16="http://schemas.microsoft.com/office/drawing/2014/main" id="{E31FDC04-5CA4-46B6-8637-84A79134BAF2}"/>
+              </a:ext>
+            </a:extLst>
+          </p:cNvPr>
+          <p:cNvSpPr txBox="1"/>
+          <p:nvPr/>
+        </p:nvSpPr>
+        <p:spPr>
+          <a:xfrm>
+            <a:off x="205678" y="2214694"/>
+            <a:ext cx="7361191" cy="3970318"/>
+          </a:xfrm>
+          <a:prstGeom prst="rect">
+            <a:avLst/>
+          </a:prstGeom>
+          <a:noFill/>
+        </p:spPr>
+        <p:txBody>
+          <a:bodyPr wrap="square" rtlCol="0">
+            <a:spAutoFit/>
+          </a:bodyPr>
+          <a:lstStyle/>
+          <a:p>
+            <a:r>
+              <a:rPr lang="en-US" altLang="zh-CN" dirty="0"/>
+              <a:t> function </a:t>
             </a:r>
             <a:r>
               <a:rPr lang="en-US" altLang="zh-CN" dirty="0" err="1"/>
-              <a:t>messsage</a:t>
-            </a:r>
-            <a:r>
-              <a:rPr lang="en-US" altLang="zh-CN" dirty="0"/>
-              <a:t>)</a:t>
-            </a:r>
-            <a:r>
-              <a:rPr lang="zh-CN" altLang="en-US" dirty="0"/>
-              <a:t>，这个时候，我们后续的</a:t>
-            </a:r>
-            <a:r>
-              <a:rPr lang="en-US" altLang="zh-CN" dirty="0"/>
-              <a:t>then</a:t>
-            </a:r>
-            <a:r>
-              <a:rPr lang="zh-CN" altLang="en-US" dirty="0"/>
-              <a:t>会被回调。</a:t>
-            </a:r>
-          </a:p>
-          <a:p>
-            <a:pPr lvl="2"/>
-            <a:r>
-              <a:rPr lang="zh-CN" altLang="en-US" dirty="0"/>
-              <a:t>如果是失败的，那么通常我们会调用</a:t>
-            </a:r>
-            <a:r>
-              <a:rPr lang="en-US" altLang="zh-CN" dirty="0"/>
-              <a:t>reject(error)</a:t>
-            </a:r>
-            <a:r>
-              <a:rPr lang="zh-CN" altLang="en-US" dirty="0"/>
-              <a:t>，这个时候，我们后续的</a:t>
-            </a:r>
-            <a:r>
-              <a:rPr lang="en-US" altLang="zh-CN" dirty="0"/>
-              <a:t>catch</a:t>
-            </a:r>
-            <a:r>
-              <a:rPr lang="zh-CN" altLang="en-US" dirty="0"/>
-              <a:t>会被回调。 </a:t>
-            </a:r>
-          </a:p>
-          <a:p>
-            <a:r>
-              <a:rPr lang="en-US" altLang="zh-CN" sz="1600" dirty="0"/>
-              <a:t>OK</a:t>
-            </a:r>
-            <a:r>
-              <a:rPr lang="zh-CN" altLang="en-US" sz="1600" dirty="0"/>
-              <a:t>，这就是</a:t>
-            </a:r>
-            <a:r>
-              <a:rPr lang="en-US" altLang="zh-CN" sz="1600" dirty="0"/>
-              <a:t>Promise</a:t>
-            </a:r>
-            <a:r>
-              <a:rPr lang="zh-CN" altLang="en-US" sz="1600" dirty="0"/>
-              <a:t>最基本的使用了。</a:t>
-            </a:r>
-          </a:p>
-          <a:p>
-            <a:endParaRPr kumimoji="1" lang="zh-CN" altLang="en-US" sz="1600" dirty="0"/>
+              <a:t>promisify</a:t>
+            </a:r>
+            <a:r>
+              <a:rPr lang="en-US" altLang="zh-CN" dirty="0"/>
+              <a:t>(</a:t>
+            </a:r>
+            <a:r>
+              <a:rPr lang="en-US" altLang="zh-CN" dirty="0" err="1"/>
+              <a:t>fn</a:t>
+            </a:r>
+            <a:r>
+              <a:rPr lang="en-US" altLang="zh-CN" dirty="0"/>
+              <a:t>, delay = 1000) {</a:t>
+            </a:r>
+          </a:p>
+          <a:p>
+            <a:r>
+              <a:rPr lang="en-US" altLang="zh-CN" dirty="0"/>
+              <a:t>    return new Promise((resolve, reject) =&gt; {</a:t>
+            </a:r>
+          </a:p>
+          <a:p>
+            <a:r>
+              <a:rPr lang="en-US" altLang="zh-CN" dirty="0"/>
+              <a:t>      </a:t>
+            </a:r>
+            <a:r>
+              <a:rPr lang="en-US" altLang="zh-CN" dirty="0" err="1"/>
+              <a:t>setTimeout</a:t>
+            </a:r>
+            <a:r>
+              <a:rPr lang="en-US" altLang="zh-CN" dirty="0"/>
+              <a:t>(function () {</a:t>
+            </a:r>
+          </a:p>
+          <a:p>
+            <a:r>
+              <a:rPr lang="en-US" altLang="zh-CN" dirty="0"/>
+              <a:t>        try {</a:t>
+            </a:r>
+          </a:p>
+          <a:p>
+            <a:r>
+              <a:rPr lang="en-US" altLang="zh-CN" dirty="0"/>
+              <a:t>          resolve(</a:t>
+            </a:r>
+            <a:r>
+              <a:rPr lang="en-US" altLang="zh-CN" dirty="0" err="1"/>
+              <a:t>fn</a:t>
+            </a:r>
+            <a:r>
+              <a:rPr lang="en-US" altLang="zh-CN" dirty="0"/>
+              <a:t>());</a:t>
+            </a:r>
+          </a:p>
+          <a:p>
+            <a:r>
+              <a:rPr lang="en-US" altLang="zh-CN" dirty="0"/>
+              <a:t>        } catch (e) {</a:t>
+            </a:r>
+          </a:p>
+          <a:p>
+            <a:r>
+              <a:rPr lang="en-US" altLang="zh-CN" dirty="0"/>
+              <a:t>          reject(e);</a:t>
+            </a:r>
+          </a:p>
+          <a:p>
+            <a:r>
+              <a:rPr lang="en-US" altLang="zh-CN" dirty="0"/>
+              <a:t>        }</a:t>
+            </a:r>
+          </a:p>
+          <a:p>
+            <a:r>
+              <a:rPr lang="en-US" altLang="zh-CN" dirty="0"/>
+              <a:t>      }, delay)</a:t>
+            </a:r>
+          </a:p>
+          <a:p>
+            <a:r>
+              <a:rPr lang="en-US" altLang="zh-CN" dirty="0"/>
+              <a:t>    })</a:t>
+            </a:r>
+          </a:p>
+          <a:p>
+            <a:r>
+              <a:rPr lang="en-US" altLang="zh-CN" dirty="0"/>
+              <a:t>  }</a:t>
+            </a:r>
+          </a:p>
+          <a:p>
+            <a:r>
+              <a:rPr lang="en-US" altLang="zh-CN" dirty="0"/>
+              <a:t>  </a:t>
+            </a:r>
+            <a:r>
+              <a:rPr lang="en-US" altLang="zh-CN" dirty="0" err="1"/>
+              <a:t>promisify</a:t>
+            </a:r>
+            <a:r>
+              <a:rPr lang="en-US" altLang="zh-CN" dirty="0">
+                <a:solidFill>
+                  <a:srgbClr val="FF0000"/>
+                </a:solidFill>
+              </a:rPr>
+              <a:t>(() =&gt; {a:1,b:1}</a:t>
+            </a:r>
+            <a:r>
+              <a:rPr lang="en-US" altLang="zh-CN" dirty="0"/>
+              <a:t>).then(function (data) {</a:t>
+            </a:r>
+          </a:p>
+          <a:p>
+            <a:r>
+              <a:rPr lang="en-US" altLang="zh-CN" dirty="0"/>
+              <a:t>    console.log(data)</a:t>
+            </a:r>
+          </a:p>
+          <a:p>
+            <a:r>
+              <a:rPr lang="en-US" altLang="zh-CN" dirty="0"/>
+              <a:t>  })</a:t>
+            </a:r>
+            <a:endParaRPr lang="zh-CN" altLang="en-US" dirty="0"/>
           </a:p>
         </p:txBody>
       </p:sp>
     </p:spTree>
     <p:extLst>
       <p:ext uri="{BB962C8B-B14F-4D97-AF65-F5344CB8AC3E}">
-        <p14:creationId xmlns:p14="http://schemas.microsoft.com/office/powerpoint/2010/main" val="1978894218"/>
+        <p14:creationId xmlns:p14="http://schemas.microsoft.com/office/powerpoint/2010/main" val="1663049723"/>
       </p:ext>
     </p:extLst>
   </p:cSld>
@@ -2621,12 +3449,556 @@
           <a:lstStyle/>
           <a:p>
             <a:r>
+              <a:rPr kumimoji="1" lang="zh-CN" altLang="en-US" dirty="0"/>
+              <a:t>定时器异步事件高级</a:t>
+            </a:r>
+            <a:r>
+              <a:rPr kumimoji="1" lang="en-US" altLang="zh-CN" dirty="0" err="1"/>
+              <a:t>Promisify</a:t>
+            </a:r>
+            <a:r>
+              <a:rPr kumimoji="1" lang="zh-CN" altLang="en-US" dirty="0"/>
+              <a:t>（掌握）</a:t>
+            </a:r>
+            <a:endParaRPr lang="zh-CN" altLang="en-US" dirty="0"/>
+          </a:p>
+        </p:txBody>
+      </p:sp>
+      <p:sp>
+        <p:nvSpPr>
+          <p:cNvPr id="3" name="内容占位符 2">
+            <a:extLst>
+              <a:ext uri="{FF2B5EF4-FFF2-40B4-BE49-F238E27FC236}">
+                <a16:creationId xmlns:a16="http://schemas.microsoft.com/office/drawing/2014/main" id="{349EB7CE-ACB9-461D-ABD1-C4B53C255AF1}"/>
+              </a:ext>
+            </a:extLst>
+          </p:cNvPr>
+          <p:cNvSpPr>
+            <a:spLocks noGrp="1"/>
+          </p:cNvSpPr>
+          <p:nvPr>
+            <p:ph idx="1"/>
+          </p:nvPr>
+        </p:nvSpPr>
+        <p:spPr>
+          <a:xfrm>
+            <a:off x="330491" y="814191"/>
+            <a:ext cx="11330205" cy="5309771"/>
+          </a:xfrm>
+        </p:spPr>
+        <p:txBody>
+          <a:bodyPr/>
+          <a:lstStyle/>
+          <a:p>
+            <a:r>
+              <a:rPr kumimoji="1" lang="zh-CN" altLang="en-US" sz="1600" dirty="0"/>
+              <a:t>为什么传递的参数</a:t>
+            </a:r>
+            <a:r>
+              <a:rPr kumimoji="1" lang="en-US" altLang="zh-CN" sz="1600" dirty="0" err="1"/>
+              <a:t>fn</a:t>
+            </a:r>
+            <a:r>
+              <a:rPr kumimoji="1" lang="zh-CN" altLang="en-US" sz="1600" dirty="0"/>
+              <a:t>是函数呢？ 因为函数在这里面如果执行的时候会报错。刚好就可以被</a:t>
+            </a:r>
+            <a:r>
+              <a:rPr kumimoji="1" lang="en-US" altLang="zh-CN" sz="1600" dirty="0"/>
+              <a:t>resolve</a:t>
+            </a:r>
+            <a:r>
+              <a:rPr kumimoji="1" lang="zh-CN" altLang="en-US" sz="1600" dirty="0"/>
+              <a:t>和</a:t>
+            </a:r>
+            <a:r>
+              <a:rPr kumimoji="1" lang="en-US" altLang="zh-CN" sz="1600" dirty="0"/>
+              <a:t>reject</a:t>
+            </a:r>
+            <a:r>
+              <a:rPr kumimoji="1" lang="zh-CN" altLang="en-US" sz="1600" dirty="0"/>
+              <a:t>劫持。</a:t>
+            </a:r>
+            <a:endParaRPr kumimoji="1" lang="en-US" altLang="zh-CN" sz="1600" dirty="0"/>
+          </a:p>
+          <a:p>
+            <a:r>
+              <a:rPr kumimoji="1" lang="zh-CN" altLang="en-US" sz="1600" dirty="0"/>
+              <a:t>而我们之前第一次写的</a:t>
+            </a:r>
+            <a:r>
+              <a:rPr kumimoji="1" lang="en-US" altLang="zh-CN" sz="1600" dirty="0" err="1"/>
+              <a:t>setTimeout</a:t>
+            </a:r>
+            <a:r>
+              <a:rPr kumimoji="1" lang="zh-CN" altLang="en-US" sz="1600" dirty="0"/>
+              <a:t>的异步处理方式，根本就抓不到错误执行。</a:t>
+            </a:r>
+            <a:endParaRPr kumimoji="1" lang="en-US" altLang="zh-CN" sz="1600" dirty="0"/>
+          </a:p>
+        </p:txBody>
+      </p:sp>
+      <p:sp>
+        <p:nvSpPr>
+          <p:cNvPr id="4" name="文本框 3">
+            <a:extLst>
+              <a:ext uri="{FF2B5EF4-FFF2-40B4-BE49-F238E27FC236}">
+                <a16:creationId xmlns:a16="http://schemas.microsoft.com/office/drawing/2014/main" id="{E31FDC04-5CA4-46B6-8637-84A79134BAF2}"/>
+              </a:ext>
+            </a:extLst>
+          </p:cNvPr>
+          <p:cNvSpPr txBox="1"/>
+          <p:nvPr/>
+        </p:nvSpPr>
+        <p:spPr>
+          <a:xfrm>
+            <a:off x="205678" y="2214694"/>
+            <a:ext cx="7361191" cy="3693319"/>
+          </a:xfrm>
+          <a:prstGeom prst="rect">
+            <a:avLst/>
+          </a:prstGeom>
+          <a:noFill/>
+        </p:spPr>
+        <p:txBody>
+          <a:bodyPr wrap="square" rtlCol="0">
+            <a:spAutoFit/>
+          </a:bodyPr>
+          <a:lstStyle/>
+          <a:p>
+            <a:r>
+              <a:rPr lang="en-US" altLang="zh-CN" dirty="0"/>
+              <a:t> function </a:t>
+            </a:r>
+            <a:r>
+              <a:rPr lang="en-US" altLang="zh-CN" dirty="0" err="1"/>
+              <a:t>promisify</a:t>
+            </a:r>
+            <a:r>
+              <a:rPr lang="en-US" altLang="zh-CN" dirty="0"/>
+              <a:t>(</a:t>
+            </a:r>
+            <a:r>
+              <a:rPr lang="en-US" altLang="zh-CN" dirty="0" err="1"/>
+              <a:t>fn</a:t>
+            </a:r>
+            <a:r>
+              <a:rPr lang="en-US" altLang="zh-CN" dirty="0"/>
+              <a:t>, delay = 1000) {</a:t>
+            </a:r>
+          </a:p>
+          <a:p>
+            <a:r>
+              <a:rPr lang="en-US" altLang="zh-CN" dirty="0"/>
+              <a:t>    return new Promise((resolve, reject) =&gt; {</a:t>
+            </a:r>
+          </a:p>
+          <a:p>
+            <a:r>
+              <a:rPr lang="en-US" altLang="zh-CN" dirty="0"/>
+              <a:t>      </a:t>
+            </a:r>
+            <a:r>
+              <a:rPr lang="en-US" altLang="zh-CN" dirty="0" err="1"/>
+              <a:t>setTimeout</a:t>
+            </a:r>
+            <a:r>
+              <a:rPr lang="en-US" altLang="zh-CN" dirty="0"/>
+              <a:t>(function () {</a:t>
+            </a:r>
+          </a:p>
+          <a:p>
+            <a:r>
+              <a:rPr lang="en-US" altLang="zh-CN" dirty="0"/>
+              <a:t>        try {</a:t>
+            </a:r>
+          </a:p>
+          <a:p>
+            <a:r>
+              <a:rPr lang="en-US" altLang="zh-CN" dirty="0"/>
+              <a:t>          resolve(</a:t>
+            </a:r>
+            <a:r>
+              <a:rPr lang="en-US" altLang="zh-CN" dirty="0" err="1"/>
+              <a:t>fn</a:t>
+            </a:r>
+            <a:r>
+              <a:rPr lang="en-US" altLang="zh-CN" dirty="0"/>
+              <a:t>());</a:t>
+            </a:r>
+          </a:p>
+          <a:p>
+            <a:r>
+              <a:rPr lang="en-US" altLang="zh-CN" dirty="0"/>
+              <a:t>        } catch (e) {</a:t>
+            </a:r>
+          </a:p>
+          <a:p>
+            <a:r>
+              <a:rPr lang="en-US" altLang="zh-CN" dirty="0"/>
+              <a:t>          reject(e);</a:t>
+            </a:r>
+          </a:p>
+          <a:p>
+            <a:r>
+              <a:rPr lang="en-US" altLang="zh-CN" dirty="0"/>
+              <a:t>        }</a:t>
+            </a:r>
+          </a:p>
+          <a:p>
+            <a:r>
+              <a:rPr lang="en-US" altLang="zh-CN" dirty="0"/>
+              <a:t>      }, delay)</a:t>
+            </a:r>
+          </a:p>
+          <a:p>
+            <a:r>
+              <a:rPr lang="en-US" altLang="zh-CN" dirty="0"/>
+              <a:t>    })</a:t>
+            </a:r>
+          </a:p>
+          <a:p>
+            <a:r>
+              <a:rPr lang="en-US" altLang="zh-CN" dirty="0"/>
+              <a:t>  }</a:t>
+            </a:r>
+          </a:p>
+          <a:p>
+            <a:endParaRPr lang="en-US" altLang="zh-CN" dirty="0"/>
+          </a:p>
+          <a:p>
+            <a:r>
+              <a:rPr lang="en-US" altLang="zh-CN" dirty="0"/>
+              <a:t>  </a:t>
+            </a:r>
+            <a:endParaRPr lang="zh-CN" altLang="en-US" dirty="0"/>
+          </a:p>
+        </p:txBody>
+      </p:sp>
+    </p:spTree>
+    <p:extLst>
+      <p:ext uri="{BB962C8B-B14F-4D97-AF65-F5344CB8AC3E}">
+        <p14:creationId xmlns:p14="http://schemas.microsoft.com/office/powerpoint/2010/main" val="3010883829"/>
+      </p:ext>
+    </p:extLst>
+  </p:cSld>
+  <p:clrMapOvr>
+    <a:masterClrMapping/>
+  </p:clrMapOvr>
+</p:sld>
+</file>
+
+<file path=ppt/slides/slide7.xml><?xml version="1.0" encoding="utf-8"?>
+<p:sld xmlns:a="http://schemas.openxmlformats.org/drawingml/2006/main" xmlns:r="http://schemas.openxmlformats.org/officeDocument/2006/relationships" xmlns:p="http://schemas.openxmlformats.org/presentationml/2006/main">
+  <p:cSld>
+    <p:spTree>
+      <p:nvGrpSpPr>
+        <p:cNvPr id="1" name=""/>
+        <p:cNvGrpSpPr/>
+        <p:nvPr/>
+      </p:nvGrpSpPr>
+      <p:grpSpPr>
+        <a:xfrm>
+          <a:off x="0" y="0"/>
+          <a:ext cx="0" cy="0"/>
+          <a:chOff x="0" y="0"/>
+          <a:chExt cx="0" cy="0"/>
+        </a:xfrm>
+      </p:grpSpPr>
+      <p:sp>
+        <p:nvSpPr>
+          <p:cNvPr id="2" name="标题 1">
+            <a:extLst>
+              <a:ext uri="{FF2B5EF4-FFF2-40B4-BE49-F238E27FC236}">
+                <a16:creationId xmlns:a16="http://schemas.microsoft.com/office/drawing/2014/main" id="{6047A424-70D7-4CCC-966E-2695D258EB84}"/>
+              </a:ext>
+            </a:extLst>
+          </p:cNvPr>
+          <p:cNvSpPr>
+            <a:spLocks noGrp="1"/>
+          </p:cNvSpPr>
+          <p:nvPr>
+            <p:ph type="title"/>
+          </p:nvPr>
+        </p:nvSpPr>
+        <p:spPr>
+          <a:xfrm>
+            <a:off x="1239416" y="130456"/>
+            <a:ext cx="10952584" cy="466628"/>
+          </a:xfrm>
+        </p:spPr>
+        <p:txBody>
+          <a:bodyPr/>
+          <a:lstStyle/>
+          <a:p>
+            <a:r>
+              <a:rPr kumimoji="1" lang="zh-CN" altLang="en-US" dirty="0"/>
+              <a:t>定时器异步事件解析</a:t>
+            </a:r>
+            <a:endParaRPr lang="zh-CN" altLang="en-US" dirty="0"/>
+          </a:p>
+        </p:txBody>
+      </p:sp>
+      <p:sp>
+        <p:nvSpPr>
+          <p:cNvPr id="3" name="内容占位符 2">
+            <a:extLst>
+              <a:ext uri="{FF2B5EF4-FFF2-40B4-BE49-F238E27FC236}">
+                <a16:creationId xmlns:a16="http://schemas.microsoft.com/office/drawing/2014/main" id="{349EB7CE-ACB9-461D-ABD1-C4B53C255AF1}"/>
+              </a:ext>
+            </a:extLst>
+          </p:cNvPr>
+          <p:cNvSpPr>
+            <a:spLocks noGrp="1"/>
+          </p:cNvSpPr>
+          <p:nvPr>
+            <p:ph idx="1"/>
+          </p:nvPr>
+        </p:nvSpPr>
+        <p:spPr>
+          <a:xfrm>
+            <a:off x="447937" y="814192"/>
+            <a:ext cx="11128869" cy="4614636"/>
+          </a:xfrm>
+        </p:spPr>
+        <p:txBody>
+          <a:bodyPr/>
+          <a:lstStyle/>
+          <a:p>
+            <a:r>
+              <a:rPr lang="zh-CN" altLang="en-US" sz="1600" dirty="0"/>
+              <a:t>我们先来认认真真的读一读这个程序到底做了什么？</a:t>
+            </a:r>
+          </a:p>
+          <a:p>
+            <a:pPr lvl="1"/>
+            <a:r>
+              <a:rPr lang="en-US" altLang="zh-CN" sz="1600" dirty="0"/>
+              <a:t>new Promise</a:t>
+            </a:r>
+            <a:r>
+              <a:rPr lang="zh-CN" altLang="en-US" sz="1600" dirty="0"/>
+              <a:t>很明显是创建一个</a:t>
+            </a:r>
+            <a:r>
+              <a:rPr lang="en-US" altLang="zh-CN" sz="1600" dirty="0"/>
+              <a:t>Promise</a:t>
+            </a:r>
+            <a:r>
+              <a:rPr lang="zh-CN" altLang="en-US" sz="1600" dirty="0"/>
+              <a:t>对象</a:t>
+            </a:r>
+          </a:p>
+          <a:p>
+            <a:pPr lvl="1"/>
+            <a:r>
+              <a:rPr lang="zh-CN" altLang="en-US" sz="1600" dirty="0"/>
+              <a:t>小括号中</a:t>
+            </a:r>
+            <a:r>
+              <a:rPr lang="en-US" altLang="zh-CN" sz="1600" dirty="0"/>
+              <a:t>((resolve, reject) =&gt; {})</a:t>
+            </a:r>
+            <a:r>
+              <a:rPr lang="zh-CN" altLang="en-US" sz="1600" dirty="0"/>
+              <a:t>也很明显就是一个函数，而且我们这里用的是之前刚刚学习过的箭头函数。</a:t>
+            </a:r>
+          </a:p>
+          <a:p>
+            <a:pPr lvl="2"/>
+            <a:r>
+              <a:rPr lang="zh-CN" altLang="en-US" dirty="0"/>
+              <a:t>但是</a:t>
+            </a:r>
+            <a:r>
+              <a:rPr lang="en-US" altLang="zh-CN" dirty="0"/>
+              <a:t>resolve, reject</a:t>
+            </a:r>
+            <a:r>
+              <a:rPr lang="zh-CN" altLang="en-US" dirty="0"/>
+              <a:t>它们是什么呢？</a:t>
+            </a:r>
+          </a:p>
+          <a:p>
+            <a:pPr lvl="2"/>
+            <a:r>
+              <a:rPr lang="zh-CN" altLang="en-US" dirty="0"/>
+              <a:t>我们先知道一个事实：在创建</a:t>
+            </a:r>
+            <a:r>
+              <a:rPr lang="en-US" altLang="zh-CN" dirty="0"/>
+              <a:t>Promise</a:t>
+            </a:r>
+            <a:r>
+              <a:rPr lang="zh-CN" altLang="en-US" dirty="0"/>
+              <a:t>时，传入的这个箭头函数是固定的（一般我们都会这样写）</a:t>
+            </a:r>
+          </a:p>
+          <a:p>
+            <a:pPr lvl="2"/>
+            <a:r>
+              <a:rPr lang="en-US" altLang="zh-CN" dirty="0"/>
+              <a:t>resolve</a:t>
+            </a:r>
+            <a:r>
+              <a:rPr lang="zh-CN" altLang="en-US" dirty="0"/>
+              <a:t>和</a:t>
+            </a:r>
+            <a:r>
+              <a:rPr lang="en-US" altLang="zh-CN" dirty="0"/>
+              <a:t>reject</a:t>
+            </a:r>
+            <a:r>
+              <a:rPr lang="zh-CN" altLang="en-US" dirty="0"/>
+              <a:t>它们两个也是函数，通常情况下，我们会根据请求数据的成功和失败来决定调用哪一个。</a:t>
+            </a:r>
+          </a:p>
+          <a:p>
+            <a:pPr lvl="1"/>
+            <a:r>
+              <a:rPr lang="zh-CN" altLang="en-US" sz="1600" dirty="0"/>
+              <a:t>成功还是失败？</a:t>
+            </a:r>
+          </a:p>
+          <a:p>
+            <a:pPr lvl="2"/>
+            <a:r>
+              <a:rPr lang="zh-CN" altLang="en-US" dirty="0"/>
+              <a:t>如果是成功的，那么通常我们会调用</a:t>
+            </a:r>
+            <a:r>
+              <a:rPr lang="en-US" altLang="zh-CN" dirty="0"/>
+              <a:t>resolve(</a:t>
+            </a:r>
+            <a:r>
+              <a:rPr lang="en-US" altLang="zh-CN" dirty="0" err="1"/>
+              <a:t>messsage</a:t>
+            </a:r>
+            <a:r>
+              <a:rPr lang="en-US" altLang="zh-CN" dirty="0"/>
+              <a:t>)</a:t>
+            </a:r>
+            <a:r>
+              <a:rPr lang="zh-CN" altLang="en-US" dirty="0"/>
+              <a:t>，这个时候，我们后续的</a:t>
+            </a:r>
+            <a:r>
+              <a:rPr lang="en-US" altLang="zh-CN" dirty="0"/>
+              <a:t>then</a:t>
+            </a:r>
+            <a:r>
+              <a:rPr lang="zh-CN" altLang="en-US" dirty="0"/>
+              <a:t>会被回调。</a:t>
+            </a:r>
+          </a:p>
+          <a:p>
+            <a:pPr lvl="2"/>
+            <a:r>
+              <a:rPr lang="zh-CN" altLang="en-US" dirty="0"/>
+              <a:t>如果是失败的，那么通常我们会调用</a:t>
+            </a:r>
+            <a:r>
+              <a:rPr lang="en-US" altLang="zh-CN" dirty="0"/>
+              <a:t>reject(error)</a:t>
+            </a:r>
+            <a:r>
+              <a:rPr lang="zh-CN" altLang="en-US" dirty="0"/>
+              <a:t>，这个时候，我们后续的</a:t>
+            </a:r>
+            <a:r>
+              <a:rPr lang="en-US" altLang="zh-CN" dirty="0"/>
+              <a:t>catch</a:t>
+            </a:r>
+            <a:r>
+              <a:rPr lang="zh-CN" altLang="en-US" dirty="0"/>
+              <a:t>会被回调。 </a:t>
+            </a:r>
+          </a:p>
+          <a:p>
+            <a:r>
+              <a:rPr lang="en-US" altLang="zh-CN" sz="1600" dirty="0"/>
+              <a:t>OK</a:t>
+            </a:r>
+            <a:r>
+              <a:rPr lang="zh-CN" altLang="en-US" sz="1600" dirty="0"/>
+              <a:t>，这就是</a:t>
+            </a:r>
+            <a:r>
+              <a:rPr lang="en-US" altLang="zh-CN" sz="1600" dirty="0"/>
+              <a:t>Promise</a:t>
+            </a:r>
+            <a:r>
+              <a:rPr lang="zh-CN" altLang="en-US" sz="1600" dirty="0"/>
+              <a:t>最基本的使用了。</a:t>
+            </a:r>
+          </a:p>
+          <a:p>
+            <a:endParaRPr kumimoji="1" lang="zh-CN" altLang="en-US" sz="1600" dirty="0"/>
+          </a:p>
+        </p:txBody>
+      </p:sp>
+    </p:spTree>
+    <p:extLst>
+      <p:ext uri="{BB962C8B-B14F-4D97-AF65-F5344CB8AC3E}">
+        <p14:creationId xmlns:p14="http://schemas.microsoft.com/office/powerpoint/2010/main" val="1978894218"/>
+      </p:ext>
+    </p:extLst>
+  </p:cSld>
+  <p:clrMapOvr>
+    <a:masterClrMapping/>
+  </p:clrMapOvr>
+</p:sld>
+</file>
+
+<file path=ppt/slides/slide8.xml><?xml version="1.0" encoding="utf-8"?>
+<p:sld xmlns:a="http://schemas.openxmlformats.org/drawingml/2006/main" xmlns:r="http://schemas.openxmlformats.org/officeDocument/2006/relationships" xmlns:p="http://schemas.openxmlformats.org/presentationml/2006/main">
+  <p:cSld>
+    <p:spTree>
+      <p:nvGrpSpPr>
+        <p:cNvPr id="1" name=""/>
+        <p:cNvGrpSpPr/>
+        <p:nvPr/>
+      </p:nvGrpSpPr>
+      <p:grpSpPr>
+        <a:xfrm>
+          <a:off x="0" y="0"/>
+          <a:ext cx="0" cy="0"/>
+          <a:chOff x="0" y="0"/>
+          <a:chExt cx="0" cy="0"/>
+        </a:xfrm>
+      </p:grpSpPr>
+      <p:sp>
+        <p:nvSpPr>
+          <p:cNvPr id="2" name="标题 1">
+            <a:extLst>
+              <a:ext uri="{FF2B5EF4-FFF2-40B4-BE49-F238E27FC236}">
+                <a16:creationId xmlns:a16="http://schemas.microsoft.com/office/drawing/2014/main" id="{6047A424-70D7-4CCC-966E-2695D258EB84}"/>
+              </a:ext>
+            </a:extLst>
+          </p:cNvPr>
+          <p:cNvSpPr>
+            <a:spLocks noGrp="1"/>
+          </p:cNvSpPr>
+          <p:nvPr>
+            <p:ph type="title"/>
+          </p:nvPr>
+        </p:nvSpPr>
+        <p:spPr>
+          <a:xfrm>
+            <a:off x="1239416" y="130456"/>
+            <a:ext cx="10952584" cy="466628"/>
+          </a:xfrm>
+        </p:spPr>
+        <p:txBody>
+          <a:bodyPr/>
+          <a:lstStyle/>
+          <a:p>
+            <a:r>
               <a:rPr kumimoji="1" lang="en-US" altLang="zh-CN" dirty="0"/>
               <a:t>Promise</a:t>
             </a:r>
             <a:r>
               <a:rPr kumimoji="1" lang="zh-CN" altLang="en-US" dirty="0"/>
-              <a:t>三种状态</a:t>
+              <a:t>三种状态（了解）</a:t>
             </a:r>
             <a:endParaRPr lang="zh-CN" altLang="en-US" dirty="0"/>
           </a:p>
@@ -2853,7 +4225,7 @@
 </p:sld>
 </file>
 
-<file path=ppt/slides/slide7.xml><?xml version="1.0" encoding="utf-8"?>
+<file path=ppt/slides/slide9.xml><?xml version="1.0" encoding="utf-8"?>
 <p:sld xmlns:a="http://schemas.openxmlformats.org/drawingml/2006/main" xmlns:r="http://schemas.openxmlformats.org/officeDocument/2006/relationships" xmlns:p="http://schemas.openxmlformats.org/presentationml/2006/main">
   <p:cSld>
     <p:spTree>
@@ -3100,193 +4472,6 @@
     <p:extLst>
       <p:ext uri="{BB962C8B-B14F-4D97-AF65-F5344CB8AC3E}">
         <p14:creationId xmlns:p14="http://schemas.microsoft.com/office/powerpoint/2010/main" val="3717745232"/>
-      </p:ext>
-    </p:extLst>
-  </p:cSld>
-  <p:clrMapOvr>
-    <a:masterClrMapping/>
-  </p:clrMapOvr>
-</p:sld>
-</file>
-
-<file path=ppt/slides/slide8.xml><?xml version="1.0" encoding="utf-8"?>
-<p:sld xmlns:a="http://schemas.openxmlformats.org/drawingml/2006/main" xmlns:r="http://schemas.openxmlformats.org/officeDocument/2006/relationships" xmlns:p="http://schemas.openxmlformats.org/presentationml/2006/main">
-  <p:cSld>
-    <p:spTree>
-      <p:nvGrpSpPr>
-        <p:cNvPr id="1" name=""/>
-        <p:cNvGrpSpPr/>
-        <p:nvPr/>
-      </p:nvGrpSpPr>
-      <p:grpSpPr>
-        <a:xfrm>
-          <a:off x="0" y="0"/>
-          <a:ext cx="0" cy="0"/>
-          <a:chOff x="0" y="0"/>
-          <a:chExt cx="0" cy="0"/>
-        </a:xfrm>
-      </p:grpSpPr>
-      <p:sp>
-        <p:nvSpPr>
-          <p:cNvPr id="2" name="标题 1">
-            <a:extLst>
-              <a:ext uri="{FF2B5EF4-FFF2-40B4-BE49-F238E27FC236}">
-                <a16:creationId xmlns:a16="http://schemas.microsoft.com/office/drawing/2014/main" id="{6047A424-70D7-4CCC-966E-2695D258EB84}"/>
-              </a:ext>
-            </a:extLst>
-          </p:cNvPr>
-          <p:cNvSpPr>
-            <a:spLocks noGrp="1"/>
-          </p:cNvSpPr>
-          <p:nvPr>
-            <p:ph type="title"/>
-          </p:nvPr>
-        </p:nvSpPr>
-        <p:spPr>
-          <a:xfrm>
-            <a:off x="1239416" y="130456"/>
-            <a:ext cx="10952584" cy="466628"/>
-          </a:xfrm>
-        </p:spPr>
-        <p:txBody>
-          <a:bodyPr/>
-          <a:lstStyle/>
-          <a:p>
-            <a:r>
-              <a:rPr kumimoji="1" lang="zh-CN" altLang="en-US" dirty="0"/>
-              <a:t>链式调用简写</a:t>
-            </a:r>
-            <a:endParaRPr lang="zh-CN" altLang="en-US" dirty="0"/>
-          </a:p>
-        </p:txBody>
-      </p:sp>
-      <p:sp>
-        <p:nvSpPr>
-          <p:cNvPr id="3" name="内容占位符 2">
-            <a:extLst>
-              <a:ext uri="{FF2B5EF4-FFF2-40B4-BE49-F238E27FC236}">
-                <a16:creationId xmlns:a16="http://schemas.microsoft.com/office/drawing/2014/main" id="{349EB7CE-ACB9-461D-ABD1-C4B53C255AF1}"/>
-              </a:ext>
-            </a:extLst>
-          </p:cNvPr>
-          <p:cNvSpPr>
-            <a:spLocks noGrp="1"/>
-          </p:cNvSpPr>
-          <p:nvPr>
-            <p:ph idx="1"/>
-          </p:nvPr>
-        </p:nvSpPr>
-        <p:spPr>
-          <a:xfrm>
-            <a:off x="447937" y="814192"/>
-            <a:ext cx="6179047" cy="4614636"/>
-          </a:xfrm>
-        </p:spPr>
-        <p:txBody>
-          <a:bodyPr/>
-          <a:lstStyle/>
-          <a:p>
-            <a:r>
-              <a:rPr lang="zh-CN" altLang="en-US" sz="1600" dirty="0"/>
-              <a:t>简化版代码：</a:t>
-            </a:r>
-          </a:p>
-          <a:p>
-            <a:pPr lvl="1"/>
-            <a:r>
-              <a:rPr lang="zh-CN" altLang="en-US" sz="1600" dirty="0"/>
-              <a:t>如果我们希望数据直接包装成</a:t>
-            </a:r>
-            <a:r>
-              <a:rPr lang="en-US" altLang="zh-CN" sz="1600" dirty="0" err="1"/>
-              <a:t>Promise.resolve</a:t>
-            </a:r>
-            <a:r>
-              <a:rPr lang="zh-CN" altLang="en-US" sz="1600" dirty="0"/>
-              <a:t>，那么在</a:t>
-            </a:r>
-            <a:r>
-              <a:rPr lang="en-US" altLang="zh-CN" sz="1600" dirty="0"/>
-              <a:t>then</a:t>
-            </a:r>
-            <a:r>
-              <a:rPr lang="zh-CN" altLang="en-US" sz="1600" dirty="0"/>
-              <a:t>中可以直接返回数据</a:t>
-            </a:r>
-          </a:p>
-          <a:p>
-            <a:pPr lvl="1"/>
-            <a:r>
-              <a:rPr lang="zh-CN" altLang="en-US" sz="1600" dirty="0"/>
-              <a:t>注意下面的代码中，我讲</a:t>
-            </a:r>
-            <a:r>
-              <a:rPr lang="en-US" altLang="zh-CN" sz="1600" dirty="0"/>
-              <a:t>return </a:t>
-            </a:r>
-            <a:r>
-              <a:rPr lang="en-US" altLang="zh-CN" sz="1600" dirty="0" err="1"/>
-              <a:t>Promise.resovle</a:t>
-            </a:r>
-            <a:r>
-              <a:rPr lang="en-US" altLang="zh-CN" sz="1600" dirty="0"/>
-              <a:t>(data)</a:t>
-            </a:r>
-            <a:r>
-              <a:rPr lang="zh-CN" altLang="en-US" sz="1600" dirty="0"/>
-              <a:t>改成了</a:t>
-            </a:r>
-            <a:r>
-              <a:rPr lang="en-US" altLang="zh-CN" sz="1600" dirty="0"/>
-              <a:t>return data</a:t>
-            </a:r>
-          </a:p>
-          <a:p>
-            <a:pPr lvl="1"/>
-            <a:r>
-              <a:rPr lang="zh-CN" altLang="en-US" sz="1600" dirty="0"/>
-              <a:t>结果依然是一样的</a:t>
-            </a:r>
-          </a:p>
-          <a:p>
-            <a:endParaRPr kumimoji="1" lang="zh-CN" altLang="en-US" sz="1600" dirty="0"/>
-          </a:p>
-        </p:txBody>
-      </p:sp>
-      <p:pic>
-        <p:nvPicPr>
-          <p:cNvPr id="5" name="图片 4">
-            <a:extLst>
-              <a:ext uri="{FF2B5EF4-FFF2-40B4-BE49-F238E27FC236}">
-                <a16:creationId xmlns:a16="http://schemas.microsoft.com/office/drawing/2014/main" id="{0B94DB08-1291-4F2A-BF31-99F819406D8D}"/>
-              </a:ext>
-            </a:extLst>
-          </p:cNvPr>
-          <p:cNvPicPr>
-            <a:picLocks noChangeAspect="1"/>
-          </p:cNvPicPr>
-          <p:nvPr/>
-        </p:nvPicPr>
-        <p:blipFill>
-          <a:blip r:embed="rId2"/>
-          <a:stretch>
-            <a:fillRect/>
-          </a:stretch>
-        </p:blipFill>
-        <p:spPr>
-          <a:xfrm>
-            <a:off x="6447976" y="1238066"/>
-            <a:ext cx="5333716" cy="5343292"/>
-          </a:xfrm>
-          <a:prstGeom prst="rect">
-            <a:avLst/>
-          </a:prstGeom>
-        </p:spPr>
-      </p:pic>
-    </p:spTree>
-    <p:extLst>
-      <p:ext uri="{BB962C8B-B14F-4D97-AF65-F5344CB8AC3E}">
-        <p14:creationId xmlns:p14="http://schemas.microsoft.com/office/powerpoint/2010/main" val="3505774642"/>
       </p:ext>
     </p:extLst>
   </p:cSld>
